--- a/UoM_MapReduce-vs-Spark/MapReduce.pptx
+++ b/UoM_MapReduce-vs-Spark/MapReduce.pptx
@@ -42791,33 +42791,65 @@
           </a:p>
         </p:txBody>
       </p:sp>
-      <p:sp>
-        <p:nvSpPr>
-          <p:cNvPr id="2" name="Content Placeholder 1">
+      <p:pic>
+        <p:nvPicPr>
+          <p:cNvPr id="5" name="Content Placeholder 4">
             <a:extLst>
               <a:ext uri="{FF2B5EF4-FFF2-40B4-BE49-F238E27FC236}">
-                <a16:creationId xmlns:a16="http://schemas.microsoft.com/office/drawing/2014/main" id="{62578711-9FB4-87DC-8F74-A90AF5650B9A}"/>
+                <a16:creationId xmlns:a16="http://schemas.microsoft.com/office/drawing/2014/main" id="{6E3D212E-3A47-2ABD-455F-2CA6BC2B7AC3}"/>
               </a:ext>
             </a:extLst>
           </p:cNvPr>
-          <p:cNvSpPr>
-            <a:spLocks noGrp="1"/>
-          </p:cNvSpPr>
+          <p:cNvPicPr>
+            <a:picLocks noGrp="1" noChangeAspect="1"/>
+          </p:cNvPicPr>
           <p:nvPr>
             <p:ph idx="10"/>
           </p:nvPr>
-        </p:nvSpPr>
-        <p:spPr/>
-        <p:txBody>
-          <a:bodyPr>
-            <a:normAutofit/>
-          </a:bodyPr>
-          <a:lstStyle/>
-          <a:p>
-            <a:endParaRPr lang="en-US" dirty="0"/>
-          </a:p>
-        </p:txBody>
-      </p:sp>
+        </p:nvPicPr>
+        <p:blipFill>
+          <a:blip r:embed="rId3"/>
+          <a:stretch>
+            <a:fillRect/>
+          </a:stretch>
+        </p:blipFill>
+        <p:spPr>
+          <a:xfrm>
+            <a:off x="476809" y="2312421"/>
+            <a:ext cx="6328102" cy="3838997"/>
+          </a:xfrm>
+        </p:spPr>
+      </p:pic>
+      <p:pic>
+        <p:nvPicPr>
+          <p:cNvPr id="7" name="Picture 6">
+            <a:extLst>
+              <a:ext uri="{FF2B5EF4-FFF2-40B4-BE49-F238E27FC236}">
+                <a16:creationId xmlns:a16="http://schemas.microsoft.com/office/drawing/2014/main" id="{9F31C290-DEDF-8DE0-603F-89F3EB41A2B6}"/>
+              </a:ext>
+            </a:extLst>
+          </p:cNvPr>
+          <p:cNvPicPr>
+            <a:picLocks noChangeAspect="1"/>
+          </p:cNvPicPr>
+          <p:nvPr/>
+        </p:nvPicPr>
+        <p:blipFill>
+          <a:blip r:embed="rId4"/>
+          <a:stretch>
+            <a:fillRect/>
+          </a:stretch>
+        </p:blipFill>
+        <p:spPr>
+          <a:xfrm>
+            <a:off x="6991015" y="3270335"/>
+            <a:ext cx="5044877" cy="1264719"/>
+          </a:xfrm>
+          <a:prstGeom prst="rect">
+            <a:avLst/>
+          </a:prstGeom>
+        </p:spPr>
+      </p:pic>
     </p:spTree>
     <p:extLst>
       <p:ext uri="{BB962C8B-B14F-4D97-AF65-F5344CB8AC3E}">
@@ -43793,6 +43825,15 @@
 </file>
 
 <file path=customXml/item1.xml><?xml version="1.0" encoding="utf-8"?>
+<?mso-contentType ?>
+<FormTemplates xmlns="http://schemas.microsoft.com/sharepoint/v3/contenttype/forms">
+  <Display>DocumentLibraryForm</Display>
+  <Edit>DocumentLibraryForm</Edit>
+  <New>DocumentLibraryForm</New>
+</FormTemplates>
+</file>
+
+<file path=customXml/item2.xml><?xml version="1.0" encoding="utf-8"?>
 <p:properties xmlns:p="http://schemas.microsoft.com/office/2006/metadata/properties" xmlns:xsi="http://www.w3.org/2001/XMLSchema-instance" xmlns:pc="http://schemas.microsoft.com/office/infopath/2007/PartnerControls">
   <documentManagement>
     <_ip_UnifiedCompliancePolicyUIAction xmlns="http://schemas.microsoft.com/sharepoint/v3" xsi:nil="true"/>
@@ -43810,15 +43851,6 @@
     <MediaServiceKeyPoints xmlns="71af3243-3dd4-4a8d-8c0d-dd76da1f02a5" xsi:nil="true"/>
   </documentManagement>
 </p:properties>
-</file>
-
-<file path=customXml/item2.xml><?xml version="1.0" encoding="utf-8"?>
-<?mso-contentType ?>
-<FormTemplates xmlns="http://schemas.microsoft.com/sharepoint/v3/contenttype/forms">
-  <Display>DocumentLibraryForm</Display>
-  <Edit>DocumentLibraryForm</Edit>
-  <New>DocumentLibraryForm</New>
-</FormTemplates>
 </file>
 
 <file path=customXml/item3.xml><?xml version="1.0" encoding="utf-8"?>
@@ -44134,6 +44166,14 @@
 </file>
 
 <file path=customXml/itemProps1.xml><?xml version="1.0" encoding="utf-8"?>
+<ds:datastoreItem xmlns:ds="http://schemas.openxmlformats.org/officeDocument/2006/customXml" ds:itemID="{8FEDA63D-DE73-4ED5-BDF0-D3D9FD35E1ED}">
+  <ds:schemaRefs>
+    <ds:schemaRef ds:uri="http://schemas.microsoft.com/sharepoint/v3/contenttype/forms"/>
+  </ds:schemaRefs>
+</ds:datastoreItem>
+</file>
+
+<file path=customXml/itemProps2.xml><?xml version="1.0" encoding="utf-8"?>
 <ds:datastoreItem xmlns:ds="http://schemas.openxmlformats.org/officeDocument/2006/customXml" ds:itemID="{C8AE25C0-66E9-4E74-9814-75E5D2A6CABE}">
   <ds:schemaRefs>
     <ds:schemaRef ds:uri="http://schemas.microsoft.com/office/2006/metadata/properties"/>
@@ -44141,14 +44181,6 @@
     <ds:schemaRef ds:uri="http://schemas.microsoft.com/sharepoint/v3"/>
     <ds:schemaRef ds:uri="71af3243-3dd4-4a8d-8c0d-dd76da1f02a5"/>
     <ds:schemaRef ds:uri="230e9df3-be65-4c73-a93b-d1236ebd677e"/>
-  </ds:schemaRefs>
-</ds:datastoreItem>
-</file>
-
-<file path=customXml/itemProps2.xml><?xml version="1.0" encoding="utf-8"?>
-<ds:datastoreItem xmlns:ds="http://schemas.openxmlformats.org/officeDocument/2006/customXml" ds:itemID="{8FEDA63D-DE73-4ED5-BDF0-D3D9FD35E1ED}">
-  <ds:schemaRefs>
-    <ds:schemaRef ds:uri="http://schemas.microsoft.com/sharepoint/v3/contenttype/forms"/>
   </ds:schemaRefs>
 </ds:datastoreItem>
 </file>
